--- a/slides/Geog4300_Fa18_Lecture 3-2 Data classification and central tendancy.pptx
+++ b/slides/Geog4300_Fa18_Lecture 3-2 Data classification and central tendancy.pptx
@@ -5,7 +5,7 @@
     <p:sldMasterId id="2147483659" r:id="rId1"/>
   </p:sldMasterIdLst>
   <p:notesMasterIdLst>
-    <p:notesMasterId r:id="rId22"/>
+    <p:notesMasterId r:id="rId23"/>
   </p:notesMasterIdLst>
   <p:sldIdLst>
     <p:sldId id="256" r:id="rId2"/>
@@ -28,6 +28,7 @@
     <p:sldId id="275" r:id="rId19"/>
     <p:sldId id="276" r:id="rId20"/>
     <p:sldId id="277" r:id="rId21"/>
+    <p:sldId id="278" r:id="rId22"/>
   </p:sldIdLst>
   <p:sldSz cx="9144000" cy="6858000" type="screen4x3"/>
   <p:notesSz cx="6858000" cy="9144000"/>
@@ -3710,6 +3711,237 @@
     <p:extLst>
       <p:ext uri="{BB962C8B-B14F-4D97-AF65-F5344CB8AC3E}">
         <p14:creationId xmlns:p14="http://schemas.microsoft.com/office/powerpoint/2010/main" val="3714064659"/>
+      </p:ext>
+    </p:extLst>
+  </p:cSld>
+  <p:clrMapOvr>
+    <a:masterClrMapping/>
+  </p:clrMapOvr>
+</p:notes>
+</file>
+
+<file path=ppt/notesSlides/notesSlide21.xml><?xml version="1.0" encoding="utf-8"?>
+<p:notes xmlns:a="http://schemas.openxmlformats.org/drawingml/2006/main" xmlns:r="http://schemas.openxmlformats.org/officeDocument/2006/relationships" xmlns:p="http://schemas.openxmlformats.org/presentationml/2006/main" showMasterSp="0" showMasterPhAnim="0">
+  <p:cSld>
+    <p:spTree>
+      <p:nvGrpSpPr>
+        <p:cNvPr id="1" name="Shape 114"/>
+        <p:cNvGrpSpPr/>
+        <p:nvPr/>
+      </p:nvGrpSpPr>
+      <p:grpSpPr>
+        <a:xfrm>
+          <a:off x="0" y="0"/>
+          <a:ext cx="0" cy="0"/>
+          <a:chOff x="0" y="0"/>
+          <a:chExt cx="0" cy="0"/>
+        </a:xfrm>
+      </p:grpSpPr>
+      <p:sp>
+        <p:nvSpPr>
+          <p:cNvPr id="115" name="Shape 115"/>
+          <p:cNvSpPr>
+            <a:spLocks noGrp="1" noRot="1" noChangeAspect="1"/>
+          </p:cNvSpPr>
+          <p:nvPr>
+            <p:ph type="sldImg" idx="2"/>
+          </p:nvPr>
+        </p:nvSpPr>
+        <p:spPr>
+          <a:xfrm>
+            <a:off x="1143000" y="685800"/>
+            <a:ext cx="4572000" cy="3429000"/>
+          </a:xfrm>
+          <a:custGeom>
+            <a:avLst/>
+            <a:gdLst/>
+            <a:ahLst/>
+            <a:cxnLst/>
+            <a:rect l="0" t="0" r="0" b="0"/>
+            <a:pathLst>
+              <a:path w="120000" h="120000" extrusionOk="0">
+                <a:moveTo>
+                  <a:pt x="0" y="0"/>
+                </a:moveTo>
+                <a:lnTo>
+                  <a:pt x="120000" y="0"/>
+                </a:lnTo>
+                <a:lnTo>
+                  <a:pt x="120000" y="120000"/>
+                </a:lnTo>
+                <a:lnTo>
+                  <a:pt x="0" y="120000"/>
+                </a:lnTo>
+                <a:close/>
+              </a:path>
+            </a:pathLst>
+          </a:custGeom>
+          <a:noFill/>
+          <a:ln w="12700" cap="flat" cmpd="sng">
+            <a:solidFill>
+              <a:srgbClr val="000000"/>
+            </a:solidFill>
+            <a:prstDash val="solid"/>
+            <a:round/>
+            <a:headEnd type="none" w="med" len="med"/>
+            <a:tailEnd type="none" w="med" len="med"/>
+          </a:ln>
+        </p:spPr>
+      </p:sp>
+      <p:sp>
+        <p:nvSpPr>
+          <p:cNvPr id="116" name="Shape 116"/>
+          <p:cNvSpPr txBox="1">
+            <a:spLocks noGrp="1"/>
+          </p:cNvSpPr>
+          <p:nvPr>
+            <p:ph type="body" idx="1"/>
+          </p:nvPr>
+        </p:nvSpPr>
+        <p:spPr>
+          <a:xfrm>
+            <a:off x="685800" y="4343400"/>
+            <a:ext cx="5486399" cy="4114800"/>
+          </a:xfrm>
+          <a:prstGeom prst="rect">
+            <a:avLst/>
+          </a:prstGeom>
+          <a:noFill/>
+          <a:ln>
+            <a:noFill/>
+          </a:ln>
+        </p:spPr>
+        <p:txBody>
+          <a:bodyPr lIns="91425" tIns="45700" rIns="91425" bIns="45700" anchor="t" anchorCtr="0">
+            <a:noAutofit/>
+          </a:bodyPr>
+          <a:lstStyle/>
+          <a:p>
+            <a:pPr marL="0" marR="0" lvl="0" indent="0" algn="l" rtl="0">
+              <a:spcBef>
+                <a:spcPts val="0"/>
+              </a:spcBef>
+              <a:buSzPct val="25000"/>
+              <a:buNone/>
+            </a:pPr>
+            <a:r>
+              <a:rPr lang="en-US" sz="1200" b="0" i="0" u="none" strike="noStrike" cap="none">
+                <a:solidFill>
+                  <a:schemeClr val="dk1"/>
+                </a:solidFill>
+                <a:latin typeface="Calibri"/>
+                <a:ea typeface="Calibri"/>
+                <a:cs typeface="Calibri"/>
+                <a:sym typeface="Calibri"/>
+              </a:rPr>
+              <a:t>Depending your approach, classification methods can paint very different pictures of the same data points.</a:t>
+            </a:r>
+          </a:p>
+          <a:p>
+            <a:pPr marL="0" marR="0" lvl="0" indent="0" algn="l" rtl="0">
+              <a:spcBef>
+                <a:spcPts val="0"/>
+              </a:spcBef>
+              <a:buSzPct val="25000"/>
+              <a:buNone/>
+            </a:pPr>
+            <a:endParaRPr sz="1200" b="0" i="0" u="none" strike="noStrike" cap="none">
+              <a:solidFill>
+                <a:schemeClr val="dk1"/>
+              </a:solidFill>
+              <a:latin typeface="Calibri"/>
+              <a:ea typeface="Calibri"/>
+              <a:cs typeface="Calibri"/>
+              <a:sym typeface="Calibri"/>
+            </a:endParaRPr>
+          </a:p>
+          <a:p>
+            <a:pPr marL="0" marR="0" lvl="0" indent="0" algn="l" rtl="0">
+              <a:spcBef>
+                <a:spcPts val="0"/>
+              </a:spcBef>
+              <a:buSzPct val="25000"/>
+              <a:buNone/>
+            </a:pPr>
+            <a:r>
+              <a:rPr lang="en-US" sz="1200" b="0" i="0" u="none" strike="noStrike" cap="none">
+                <a:solidFill>
+                  <a:schemeClr val="dk1"/>
+                </a:solidFill>
+                <a:latin typeface="Calibri"/>
+                <a:ea typeface="Calibri"/>
+                <a:cs typeface="Calibri"/>
+                <a:sym typeface="Calibri"/>
+              </a:rPr>
+              <a:t>How might we interpret the natural breaks map differently from the quantiles map here?</a:t>
+            </a:r>
+          </a:p>
+        </p:txBody>
+      </p:sp>
+      <p:sp>
+        <p:nvSpPr>
+          <p:cNvPr id="117" name="Shape 117"/>
+          <p:cNvSpPr txBox="1">
+            <a:spLocks noGrp="1"/>
+          </p:cNvSpPr>
+          <p:nvPr>
+            <p:ph type="sldNum" idx="12"/>
+          </p:nvPr>
+        </p:nvSpPr>
+        <p:spPr>
+          <a:xfrm>
+            <a:off x="3884612" y="8685213"/>
+            <a:ext cx="2971799" cy="457200"/>
+          </a:xfrm>
+          <a:prstGeom prst="rect">
+            <a:avLst/>
+          </a:prstGeom>
+          <a:noFill/>
+          <a:ln>
+            <a:noFill/>
+          </a:ln>
+        </p:spPr>
+        <p:txBody>
+          <a:bodyPr lIns="91425" tIns="45700" rIns="91425" bIns="45700" anchor="b" anchorCtr="0">
+            <a:noAutofit/>
+          </a:bodyPr>
+          <a:lstStyle/>
+          <a:p>
+            <a:pPr marL="0" marR="0" lvl="0" indent="0" algn="r" rtl="0">
+              <a:spcBef>
+                <a:spcPts val="0"/>
+              </a:spcBef>
+              <a:buSzPct val="25000"/>
+              <a:buNone/>
+            </a:pPr>
+            <a:fld id="{00000000-1234-1234-1234-123412341234}" type="slidenum">
+              <a:rPr lang="en-US" sz="1200">
+                <a:solidFill>
+                  <a:schemeClr val="dk1"/>
+                </a:solidFill>
+                <a:latin typeface="Calibri"/>
+                <a:ea typeface="Calibri"/>
+                <a:cs typeface="Calibri"/>
+                <a:sym typeface="Calibri"/>
+              </a:rPr>
+              <a:t>21</a:t>
+            </a:fld>
+            <a:endParaRPr lang="en-US" sz="1200">
+              <a:solidFill>
+                <a:schemeClr val="dk1"/>
+              </a:solidFill>
+              <a:latin typeface="Calibri"/>
+              <a:ea typeface="Calibri"/>
+              <a:cs typeface="Calibri"/>
+              <a:sym typeface="Calibri"/>
+            </a:endParaRPr>
+          </a:p>
+        </p:txBody>
+      </p:sp>
+    </p:spTree>
+    <p:extLst>
+      <p:ext uri="{BB962C8B-B14F-4D97-AF65-F5344CB8AC3E}">
+        <p14:creationId xmlns:p14="http://schemas.microsoft.com/office/powerpoint/2010/main" val="1510952449"/>
       </p:ext>
     </p:extLst>
   </p:cSld>
@@ -16259,19 +16491,7 @@
                 <a:cs typeface="Calibri"/>
                 <a:sym typeface="Calibri"/>
               </a:rPr>
-              <a:t>three </a:t>
-            </a:r>
-            <a:r>
-              <a:rPr lang="en-US" sz="3200" dirty="0" smtClean="0">
-                <a:solidFill>
-                  <a:srgbClr val="FFFF66"/>
-                </a:solidFill>
-                <a:latin typeface="Calibri"/>
-                <a:ea typeface="Calibri"/>
-                <a:cs typeface="Calibri"/>
-                <a:sym typeface="Calibri"/>
-              </a:rPr>
-              <a:t>census </a:t>
+              <a:t>three census </a:t>
             </a:r>
             <a:r>
               <a:rPr lang="en-US" sz="3200" dirty="0">
@@ -18472,6 +18692,294 @@
 </p:sld>
 </file>
 
+<file path=ppt/slides/slide21.xml><?xml version="1.0" encoding="utf-8"?>
+<p:sld xmlns:a="http://schemas.openxmlformats.org/drawingml/2006/main" xmlns:r="http://schemas.openxmlformats.org/officeDocument/2006/relationships" xmlns:p="http://schemas.openxmlformats.org/presentationml/2006/main">
+  <p:cSld>
+    <p:bg>
+      <p:bgPr>
+        <a:solidFill>
+          <a:schemeClr val="bg1"/>
+        </a:solidFill>
+        <a:effectLst/>
+      </p:bgPr>
+    </p:bg>
+    <p:spTree>
+      <p:nvGrpSpPr>
+        <p:cNvPr id="1" name="Shape 118"/>
+        <p:cNvGrpSpPr/>
+        <p:nvPr/>
+      </p:nvGrpSpPr>
+      <p:grpSpPr>
+        <a:xfrm>
+          <a:off x="0" y="0"/>
+          <a:ext cx="0" cy="0"/>
+          <a:chOff x="0" y="0"/>
+          <a:chExt cx="0" cy="0"/>
+        </a:xfrm>
+      </p:grpSpPr>
+      <p:sp>
+        <p:nvSpPr>
+          <p:cNvPr id="119" name="Shape 119"/>
+          <p:cNvSpPr txBox="1"/>
+          <p:nvPr/>
+        </p:nvSpPr>
+        <p:spPr>
+          <a:xfrm>
+            <a:off x="283705" y="1019263"/>
+            <a:ext cx="7702493" cy="2554544"/>
+          </a:xfrm>
+          <a:prstGeom prst="rect">
+            <a:avLst/>
+          </a:prstGeom>
+          <a:noFill/>
+          <a:ln>
+            <a:noFill/>
+          </a:ln>
+        </p:spPr>
+        <p:txBody>
+          <a:bodyPr lIns="91425" tIns="45700" rIns="91425" bIns="45700" anchor="t" anchorCtr="0">
+            <a:noAutofit/>
+          </a:bodyPr>
+          <a:lstStyle/>
+          <a:p>
+            <a:pPr marL="0" marR="0" lvl="0" indent="0" algn="l" rtl="0">
+              <a:spcBef>
+                <a:spcPts val="0"/>
+              </a:spcBef>
+              <a:buSzPct val="25000"/>
+              <a:buNone/>
+            </a:pPr>
+            <a:r>
+              <a:rPr lang="en-US" sz="4000" dirty="0" smtClean="0">
+                <a:solidFill>
+                  <a:schemeClr val="tx1">
+                    <a:lumMod val="85000"/>
+                    <a:lumOff val="15000"/>
+                  </a:schemeClr>
+                </a:solidFill>
+                <a:latin typeface="Calibri"/>
+                <a:ea typeface="Calibri"/>
+                <a:cs typeface="Calibri"/>
+                <a:sym typeface="Calibri"/>
+              </a:rPr>
+              <a:t>Classify the % College variable into four groups using one of these schemes</a:t>
+            </a:r>
+            <a:endParaRPr lang="en-US" sz="4000" dirty="0" smtClean="0">
+              <a:solidFill>
+                <a:schemeClr val="tx1">
+                  <a:lumMod val="85000"/>
+                  <a:lumOff val="15000"/>
+                </a:schemeClr>
+              </a:solidFill>
+              <a:latin typeface="Calibri"/>
+              <a:ea typeface="Calibri"/>
+              <a:cs typeface="Calibri"/>
+              <a:sym typeface="Calibri"/>
+            </a:endParaRPr>
+          </a:p>
+          <a:p>
+            <a:pPr marL="0" marR="0" lvl="0" indent="0" algn="l" rtl="0">
+              <a:spcBef>
+                <a:spcPts val="0"/>
+              </a:spcBef>
+              <a:buSzPct val="25000"/>
+              <a:buNone/>
+            </a:pPr>
+            <a:endParaRPr lang="en-US" sz="4000" dirty="0">
+              <a:solidFill>
+                <a:schemeClr val="tx1">
+                  <a:lumMod val="85000"/>
+                  <a:lumOff val="15000"/>
+                </a:schemeClr>
+              </a:solidFill>
+              <a:latin typeface="Calibri"/>
+              <a:ea typeface="Calibri"/>
+              <a:cs typeface="Calibri"/>
+              <a:sym typeface="Calibri"/>
+            </a:endParaRPr>
+          </a:p>
+          <a:p>
+            <a:pPr marL="0" marR="0" lvl="0" indent="0" algn="l" rtl="0">
+              <a:spcBef>
+                <a:spcPts val="0"/>
+              </a:spcBef>
+              <a:buSzPct val="25000"/>
+              <a:buNone/>
+            </a:pPr>
+            <a:r>
+              <a:rPr lang="en-US" sz="4000" dirty="0" smtClean="0">
+                <a:solidFill>
+                  <a:schemeClr val="tx1">
+                    <a:lumMod val="85000"/>
+                    <a:lumOff val="15000"/>
+                  </a:schemeClr>
+                </a:solidFill>
+                <a:latin typeface="Calibri"/>
+                <a:ea typeface="Calibri"/>
+                <a:cs typeface="Calibri"/>
+                <a:sym typeface="Calibri"/>
+              </a:rPr>
+              <a:t>Equal </a:t>
+            </a:r>
+            <a:r>
+              <a:rPr lang="en-US" sz="4000" dirty="0">
+                <a:solidFill>
+                  <a:schemeClr val="tx1">
+                    <a:lumMod val="85000"/>
+                    <a:lumOff val="15000"/>
+                  </a:schemeClr>
+                </a:solidFill>
+                <a:latin typeface="Calibri"/>
+                <a:ea typeface="Calibri"/>
+                <a:cs typeface="Calibri"/>
+                <a:sym typeface="Calibri"/>
+              </a:rPr>
+              <a:t>interval</a:t>
+            </a:r>
+          </a:p>
+          <a:p>
+            <a:pPr marL="0" marR="0" lvl="0" indent="0" algn="l" rtl="0">
+              <a:spcBef>
+                <a:spcPts val="0"/>
+              </a:spcBef>
+              <a:buSzPct val="25000"/>
+              <a:buNone/>
+            </a:pPr>
+            <a:r>
+              <a:rPr lang="en-US" sz="4000" dirty="0">
+                <a:solidFill>
+                  <a:schemeClr val="tx1">
+                    <a:lumMod val="85000"/>
+                    <a:lumOff val="15000"/>
+                  </a:schemeClr>
+                </a:solidFill>
+                <a:latin typeface="Calibri"/>
+                <a:ea typeface="Calibri"/>
+                <a:cs typeface="Calibri"/>
+                <a:sym typeface="Calibri"/>
+              </a:rPr>
+              <a:t>Quantile</a:t>
+            </a:r>
+          </a:p>
+          <a:p>
+            <a:pPr marL="0" marR="0" lvl="0" indent="0" algn="l" rtl="0">
+              <a:spcBef>
+                <a:spcPts val="0"/>
+              </a:spcBef>
+              <a:buSzPct val="25000"/>
+              <a:buNone/>
+            </a:pPr>
+            <a:r>
+              <a:rPr lang="en-US" sz="4000" dirty="0">
+                <a:solidFill>
+                  <a:schemeClr val="tx1"/>
+                </a:solidFill>
+                <a:latin typeface="Calibri"/>
+                <a:ea typeface="Calibri"/>
+                <a:cs typeface="Calibri"/>
+                <a:sym typeface="Calibri"/>
+              </a:rPr>
+              <a:t>Natural </a:t>
+            </a:r>
+            <a:r>
+              <a:rPr lang="en-US" sz="4000" dirty="0" smtClean="0">
+                <a:solidFill>
+                  <a:schemeClr val="tx1"/>
+                </a:solidFill>
+                <a:latin typeface="Calibri"/>
+                <a:ea typeface="Calibri"/>
+                <a:cs typeface="Calibri"/>
+                <a:sym typeface="Calibri"/>
+              </a:rPr>
+              <a:t>Breaks</a:t>
+            </a:r>
+            <a:endParaRPr lang="en-US" sz="4000" dirty="0">
+              <a:solidFill>
+                <a:schemeClr val="tx1"/>
+              </a:solidFill>
+              <a:latin typeface="Calibri"/>
+              <a:ea typeface="Calibri"/>
+              <a:cs typeface="Calibri"/>
+              <a:sym typeface="Calibri"/>
+            </a:endParaRPr>
+          </a:p>
+        </p:txBody>
+      </p:sp>
+      <p:sp>
+        <p:nvSpPr>
+          <p:cNvPr id="120" name="Shape 120"/>
+          <p:cNvSpPr txBox="1"/>
+          <p:nvPr/>
+        </p:nvSpPr>
+        <p:spPr>
+          <a:xfrm>
+            <a:off x="302059" y="227503"/>
+            <a:ext cx="6855018" cy="707886"/>
+          </a:xfrm>
+          <a:prstGeom prst="rect">
+            <a:avLst/>
+          </a:prstGeom>
+          <a:noFill/>
+          <a:ln>
+            <a:noFill/>
+          </a:ln>
+        </p:spPr>
+        <p:txBody>
+          <a:bodyPr lIns="91425" tIns="45700" rIns="91425" bIns="45700" anchor="t" anchorCtr="0">
+            <a:noAutofit/>
+          </a:bodyPr>
+          <a:lstStyle/>
+          <a:p>
+            <a:pPr marL="0" marR="0" lvl="0" indent="0" algn="l" rtl="0">
+              <a:spcBef>
+                <a:spcPts val="0"/>
+              </a:spcBef>
+              <a:buSzPct val="25000"/>
+              <a:buNone/>
+            </a:pPr>
+            <a:r>
+              <a:rPr lang="en-US" sz="4000" b="1" dirty="0" smtClean="0">
+                <a:solidFill>
+                  <a:schemeClr val="tx1">
+                    <a:lumMod val="85000"/>
+                    <a:lumOff val="15000"/>
+                  </a:schemeClr>
+                </a:solidFill>
+                <a:latin typeface="Calibri"/>
+                <a:ea typeface="Calibri"/>
+                <a:cs typeface="Calibri"/>
+                <a:sym typeface="Calibri"/>
+              </a:rPr>
+              <a:t>You try it!</a:t>
+            </a:r>
+            <a:endParaRPr lang="en-US" sz="4000" b="1" dirty="0">
+              <a:solidFill>
+                <a:schemeClr val="tx1">
+                  <a:lumMod val="85000"/>
+                  <a:lumOff val="15000"/>
+                </a:schemeClr>
+              </a:solidFill>
+              <a:latin typeface="Calibri"/>
+              <a:ea typeface="Calibri"/>
+              <a:cs typeface="Calibri"/>
+              <a:sym typeface="Calibri"/>
+            </a:endParaRPr>
+          </a:p>
+        </p:txBody>
+      </p:sp>
+    </p:spTree>
+    <p:extLst>
+      <p:ext uri="{BB962C8B-B14F-4D97-AF65-F5344CB8AC3E}">
+        <p14:creationId xmlns:p14="http://schemas.microsoft.com/office/powerpoint/2010/main" val="770259144"/>
+      </p:ext>
+    </p:extLst>
+  </p:cSld>
+  <p:clrMapOvr>
+    <a:masterClrMapping/>
+  </p:clrMapOvr>
+</p:sld>
+</file>
+
 <file path=ppt/slides/slide3.xml><?xml version="1.0" encoding="utf-8"?>
 <p:sld xmlns:a="http://schemas.openxmlformats.org/drawingml/2006/main" xmlns:r="http://schemas.openxmlformats.org/officeDocument/2006/relationships" xmlns:p="http://schemas.openxmlformats.org/presentationml/2006/main">
   <p:cSld>
@@ -19265,7 +19773,7 @@
               <a:buNone/>
             </a:pPr>
             <a:r>
-              <a:rPr lang="en-US" sz="3600" i="1">
+              <a:rPr lang="en-US" sz="3600" i="1" dirty="0">
                 <a:solidFill>
                   <a:srgbClr val="FFFF66"/>
                 </a:solidFill>
@@ -19277,7 +19785,7 @@
               <a:t>x = </a:t>
             </a:r>
             <a:r>
-              <a:rPr lang="en-US" sz="3600">
+              <a:rPr lang="en-US" sz="3600" dirty="0">
                 <a:solidFill>
                   <a:srgbClr val="FFFF66"/>
                 </a:solidFill>
@@ -19289,7 +19797,7 @@
               <a:t>[</a:t>
             </a:r>
             <a:r>
-              <a:rPr lang="en-US" sz="3600" i="1">
+              <a:rPr lang="en-US" sz="3600" i="1" dirty="0">
                 <a:solidFill>
                   <a:srgbClr val="FFFF66"/>
                 </a:solidFill>
@@ -19301,7 +19809,7 @@
               <a:t>x</a:t>
             </a:r>
             <a:r>
-              <a:rPr lang="en-US" sz="3200" baseline="-25000">
+              <a:rPr lang="en-US" sz="3200" baseline="-25000" dirty="0">
                 <a:solidFill>
                   <a:srgbClr val="FFFF66"/>
                 </a:solidFill>
@@ -19313,7 +19821,7 @@
               <a:t>1</a:t>
             </a:r>
             <a:r>
-              <a:rPr lang="en-US" sz="3600" i="1">
+              <a:rPr lang="en-US" sz="3600" i="1" dirty="0">
                 <a:solidFill>
                   <a:srgbClr val="FFFF66"/>
                 </a:solidFill>
@@ -19325,7 +19833,7 @@
               <a:t>+x</a:t>
             </a:r>
             <a:r>
-              <a:rPr lang="en-US" sz="3200" baseline="-25000">
+              <a:rPr lang="en-US" sz="3200" baseline="-25000" dirty="0">
                 <a:solidFill>
                   <a:srgbClr val="FFFF66"/>
                 </a:solidFill>
@@ -19337,7 +19845,7 @@
               <a:t>2</a:t>
             </a:r>
             <a:r>
-              <a:rPr lang="en-US" sz="3600" i="1">
+              <a:rPr lang="en-US" sz="3600" i="1" dirty="0">
                 <a:solidFill>
                   <a:srgbClr val="FFFF66"/>
                 </a:solidFill>
@@ -19349,7 +19857,7 @@
               <a:t>+x</a:t>
             </a:r>
             <a:r>
-              <a:rPr lang="en-US" sz="3200" baseline="-25000">
+              <a:rPr lang="en-US" sz="3200" baseline="-25000" dirty="0">
                 <a:solidFill>
                   <a:srgbClr val="FFFF66"/>
                 </a:solidFill>
@@ -19361,7 +19869,7 @@
               <a:t>3</a:t>
             </a:r>
             <a:r>
-              <a:rPr lang="en-US" sz="3600" i="1">
+              <a:rPr lang="en-US" sz="3600" i="1" dirty="0">
                 <a:solidFill>
                   <a:srgbClr val="FFFF66"/>
                 </a:solidFill>
@@ -19373,7 +19881,7 @@
               <a:t>+x</a:t>
             </a:r>
             <a:r>
-              <a:rPr lang="en-US" sz="3200" baseline="-25000">
+              <a:rPr lang="en-US" sz="3200" baseline="-25000" dirty="0">
                 <a:solidFill>
                   <a:srgbClr val="FFFF66"/>
                 </a:solidFill>
@@ -19385,7 +19893,7 @@
               <a:t>4</a:t>
             </a:r>
             <a:r>
-              <a:rPr lang="en-US" sz="3600">
+              <a:rPr lang="en-US" sz="3600" dirty="0">
                 <a:solidFill>
                   <a:srgbClr val="FFFF66"/>
                 </a:solidFill>
@@ -19397,7 +19905,7 @@
               <a:t>…</a:t>
             </a:r>
             <a:r>
-              <a:rPr lang="en-US" sz="3600" i="1">
+              <a:rPr lang="en-US" sz="3600" i="1" dirty="0" err="1">
                 <a:solidFill>
                   <a:srgbClr val="FFFF66"/>
                 </a:solidFill>
@@ -19409,7 +19917,7 @@
               <a:t>x</a:t>
             </a:r>
             <a:r>
-              <a:rPr lang="en-US" sz="3200" baseline="-25000">
+              <a:rPr lang="en-US" sz="3200" baseline="-25000" dirty="0" err="1">
                 <a:solidFill>
                   <a:srgbClr val="FFFF66"/>
                 </a:solidFill>
@@ -19421,7 +19929,7 @@
               <a:t>n</a:t>
             </a:r>
             <a:r>
-              <a:rPr lang="en-US" sz="3600">
+              <a:rPr lang="en-US" sz="3600" dirty="0">
                 <a:solidFill>
                   <a:srgbClr val="FFFF66"/>
                 </a:solidFill>
@@ -19946,7 +20454,7 @@
         </p:nvSpPr>
         <p:spPr>
           <a:xfrm>
-            <a:off x="228600" y="1447800"/>
+            <a:off x="399639" y="1053642"/>
             <a:ext cx="8686800" cy="1219199"/>
           </a:xfrm>
           <a:prstGeom prst="rect">
@@ -19975,7 +20483,7 @@
               <a:buNone/>
             </a:pPr>
             <a:r>
-              <a:rPr lang="en-US" sz="3200">
+              <a:rPr lang="en-US" sz="3200" dirty="0">
                 <a:solidFill>
                   <a:srgbClr val="FFFF66"/>
                 </a:solidFill>
@@ -19987,7 +20495,7 @@
               <a:t>The [</a:t>
             </a:r>
             <a:r>
-              <a:rPr lang="en-US" sz="3200">
+              <a:rPr lang="en-US" sz="3200" dirty="0">
                 <a:solidFill>
                   <a:srgbClr val="FFFF66"/>
                 </a:solidFill>
@@ -19999,7 +20507,7 @@
               <a:t>sum of data</a:t>
             </a:r>
             <a:r>
-              <a:rPr lang="en-US" sz="3200">
+              <a:rPr lang="en-US" sz="3200" dirty="0">
                 <a:solidFill>
                   <a:srgbClr val="FFFF66"/>
                 </a:solidFill>
@@ -20011,7 +20519,7 @@
               <a:t>] and [</a:t>
             </a:r>
             <a:r>
-              <a:rPr lang="en-US" sz="3200" i="1">
+              <a:rPr lang="en-US" sz="3200" i="1" dirty="0">
                 <a:solidFill>
                   <a:srgbClr val="FFFF66"/>
                 </a:solidFill>
@@ -20023,7 +20531,7 @@
               <a:t>x</a:t>
             </a:r>
             <a:r>
-              <a:rPr lang="en-US" sz="2800" i="1" baseline="-25000">
+              <a:rPr lang="en-US" sz="2800" i="1" baseline="-25000" dirty="0">
                 <a:solidFill>
                   <a:srgbClr val="FFFF66"/>
                 </a:solidFill>
@@ -20035,7 +20543,7 @@
               <a:t>1</a:t>
             </a:r>
             <a:r>
-              <a:rPr lang="en-US" sz="3200" i="1">
+              <a:rPr lang="en-US" sz="3200" i="1" dirty="0">
                 <a:solidFill>
                   <a:srgbClr val="FFFF66"/>
                 </a:solidFill>
@@ -20047,7 +20555,7 @@
               <a:t>+x</a:t>
             </a:r>
             <a:r>
-              <a:rPr lang="en-US" sz="2800" i="1" baseline="-25000">
+              <a:rPr lang="en-US" sz="2800" i="1" baseline="-25000" dirty="0">
                 <a:solidFill>
                   <a:srgbClr val="FFFF66"/>
                 </a:solidFill>
@@ -20059,7 +20567,7 @@
               <a:t>2</a:t>
             </a:r>
             <a:r>
-              <a:rPr lang="en-US" sz="3200" i="1">
+              <a:rPr lang="en-US" sz="3200" i="1" dirty="0">
                 <a:solidFill>
                   <a:srgbClr val="FFFF66"/>
                 </a:solidFill>
@@ -20071,7 +20579,7 @@
               <a:t>+x</a:t>
             </a:r>
             <a:r>
-              <a:rPr lang="en-US" sz="2800" i="1" baseline="-25000">
+              <a:rPr lang="en-US" sz="2800" i="1" baseline="-25000" dirty="0">
                 <a:solidFill>
                   <a:srgbClr val="FFFF66"/>
                 </a:solidFill>
@@ -20083,7 +20591,7 @@
               <a:t>3</a:t>
             </a:r>
             <a:r>
-              <a:rPr lang="en-US" sz="3200" i="1">
+              <a:rPr lang="en-US" sz="3200" i="1" dirty="0">
                 <a:solidFill>
                   <a:srgbClr val="FFFF66"/>
                 </a:solidFill>
@@ -20092,10 +20600,10 @@
                 <a:cs typeface="Arial"/>
                 <a:sym typeface="Arial"/>
               </a:rPr>
-              <a:t>…x</a:t>
+              <a:t>…</a:t>
             </a:r>
             <a:r>
-              <a:rPr lang="en-US" sz="2800" i="1" baseline="-25000">
+              <a:rPr lang="en-US" sz="3200" i="1" dirty="0" err="1">
                 <a:solidFill>
                   <a:srgbClr val="FFFF66"/>
                 </a:solidFill>
@@ -20104,146 +20612,10 @@
                 <a:cs typeface="Arial"/>
                 <a:sym typeface="Arial"/>
               </a:rPr>
-              <a:t>n</a:t>
+              <a:t>x</a:t>
             </a:r>
             <a:r>
-              <a:rPr lang="en-US" sz="3200">
-                <a:solidFill>
-                  <a:srgbClr val="FFFF66"/>
-                </a:solidFill>
-                <a:latin typeface="Calibri"/>
-                <a:ea typeface="Calibri"/>
-                <a:cs typeface="Calibri"/>
-                <a:sym typeface="Calibri"/>
-              </a:rPr>
-              <a:t>] can be rewritten: </a:t>
-            </a:r>
-          </a:p>
-        </p:txBody>
-      </p:sp>
-      <p:sp>
-        <p:nvSpPr>
-          <p:cNvPr id="175" name="Shape 175"/>
-          <p:cNvSpPr txBox="1"/>
-          <p:nvPr/>
-        </p:nvSpPr>
-        <p:spPr>
-          <a:xfrm>
-            <a:off x="4978400" y="2522538"/>
-            <a:ext cx="906462" cy="1555750"/>
-          </a:xfrm>
-          <a:prstGeom prst="rect">
-            <a:avLst/>
-          </a:prstGeom>
-          <a:noFill/>
-          <a:ln>
-            <a:noFill/>
-          </a:ln>
-        </p:spPr>
-        <p:txBody>
-          <a:bodyPr lIns="91425" tIns="45700" rIns="91425" bIns="45700" anchor="t" anchorCtr="0">
-            <a:noAutofit/>
-          </a:bodyPr>
-          <a:lstStyle/>
-          <a:p>
-            <a:pPr marL="0" marR="0" lvl="0" indent="0" algn="l" rtl="0">
-              <a:spcBef>
-                <a:spcPts val="0"/>
-              </a:spcBef>
-              <a:buSzPct val="25000"/>
-              <a:buNone/>
-            </a:pPr>
-            <a:r>
-              <a:rPr lang="en-US" sz="9600">
-                <a:solidFill>
-                  <a:srgbClr val="FFFF66"/>
-                </a:solidFill>
-                <a:latin typeface="Noto Sans Symbols"/>
-                <a:ea typeface="Noto Sans Symbols"/>
-                <a:cs typeface="Noto Sans Symbols"/>
-                <a:sym typeface="Noto Sans Symbols"/>
-              </a:rPr>
-              <a:t>Σ</a:t>
-            </a:r>
-          </a:p>
-        </p:txBody>
-      </p:sp>
-      <p:sp>
-        <p:nvSpPr>
-          <p:cNvPr id="176" name="Shape 176"/>
-          <p:cNvSpPr txBox="1"/>
-          <p:nvPr/>
-        </p:nvSpPr>
-        <p:spPr>
-          <a:xfrm>
-            <a:off x="5283200" y="2514600"/>
-            <a:ext cx="312905" cy="369332"/>
-          </a:xfrm>
-          <a:prstGeom prst="rect">
-            <a:avLst/>
-          </a:prstGeom>
-          <a:noFill/>
-          <a:ln>
-            <a:noFill/>
-          </a:ln>
-        </p:spPr>
-        <p:txBody>
-          <a:bodyPr lIns="91425" tIns="45700" rIns="91425" bIns="45700" anchor="t" anchorCtr="0">
-            <a:noAutofit/>
-          </a:bodyPr>
-          <a:lstStyle/>
-          <a:p>
-            <a:pPr lvl="0" rtl="0">
-              <a:spcBef>
-                <a:spcPts val="0"/>
-              </a:spcBef>
-              <a:buNone/>
-            </a:pPr>
-            <a:r>
-              <a:rPr lang="en-US">
-                <a:solidFill>
-                  <a:srgbClr val="FFFF66"/>
-                </a:solidFill>
-              </a:rPr>
-              <a:t>n</a:t>
-            </a:r>
-          </a:p>
-        </p:txBody>
-      </p:sp>
-      <p:sp>
-        <p:nvSpPr>
-          <p:cNvPr id="177" name="Shape 177"/>
-          <p:cNvSpPr txBox="1"/>
-          <p:nvPr/>
-        </p:nvSpPr>
-        <p:spPr>
-          <a:xfrm>
-            <a:off x="4978400" y="3733800"/>
-            <a:ext cx="1066799" cy="369332"/>
-          </a:xfrm>
-          <a:prstGeom prst="rect">
-            <a:avLst/>
-          </a:prstGeom>
-          <a:noFill/>
-          <a:ln>
-            <a:noFill/>
-          </a:ln>
-        </p:spPr>
-        <p:txBody>
-          <a:bodyPr lIns="91425" tIns="45700" rIns="91425" bIns="45700" anchor="t" anchorCtr="0">
-            <a:noAutofit/>
-          </a:bodyPr>
-          <a:lstStyle/>
-          <a:p>
-            <a:pPr marL="0" marR="0" lvl="0" indent="0" algn="l" rtl="0">
-              <a:spcBef>
-                <a:spcPts val="0"/>
-              </a:spcBef>
-              <a:buSzPct val="25000"/>
-              <a:buNone/>
-            </a:pPr>
-            <a:r>
-              <a:rPr lang="en-US" sz="1800" i="1">
+              <a:rPr lang="en-US" sz="2800" i="1" baseline="-25000" dirty="0" err="1">
                 <a:solidFill>
                   <a:srgbClr val="FFFF66"/>
                 </a:solidFill>
@@ -20252,78 +20624,19 @@
                 <a:cs typeface="Arial"/>
                 <a:sym typeface="Arial"/>
               </a:rPr>
-              <a:t>i</a:t>
+              <a:t>n</a:t>
             </a:r>
             <a:r>
-              <a:rPr lang="en-US" sz="1800">
+              <a:rPr lang="en-US" sz="3200" dirty="0">
                 <a:solidFill>
                   <a:srgbClr val="FFFF66"/>
                 </a:solidFill>
-                <a:latin typeface="Arial"/>
-                <a:ea typeface="Arial"/>
-                <a:cs typeface="Arial"/>
-                <a:sym typeface="Arial"/>
-              </a:rPr>
-              <a:t> = 1</a:t>
-            </a:r>
-          </a:p>
-        </p:txBody>
-      </p:sp>
-      <p:sp>
-        <p:nvSpPr>
-          <p:cNvPr id="178" name="Shape 178"/>
-          <p:cNvSpPr txBox="1"/>
-          <p:nvPr/>
-        </p:nvSpPr>
-        <p:spPr>
-          <a:xfrm>
-            <a:off x="5892800" y="3024188"/>
-            <a:ext cx="458780" cy="584774"/>
-          </a:xfrm>
-          <a:prstGeom prst="rect">
-            <a:avLst/>
-          </a:prstGeom>
-          <a:noFill/>
-          <a:ln>
-            <a:noFill/>
-          </a:ln>
-        </p:spPr>
-        <p:txBody>
-          <a:bodyPr lIns="91425" tIns="45700" rIns="91425" bIns="45700" anchor="t" anchorCtr="0">
-            <a:noAutofit/>
-          </a:bodyPr>
-          <a:lstStyle/>
-          <a:p>
-            <a:pPr marL="0" marR="0" lvl="0" indent="0" algn="l" rtl="0">
-              <a:spcBef>
-                <a:spcPts val="0"/>
-              </a:spcBef>
-              <a:buSzPct val="25000"/>
-              <a:buNone/>
-            </a:pPr>
-            <a:r>
-              <a:rPr lang="en-US" sz="3200" i="1">
-                <a:solidFill>
-                  <a:srgbClr val="FFFF66"/>
-                </a:solidFill>
-                <a:latin typeface="Arial"/>
-                <a:ea typeface="Arial"/>
-                <a:cs typeface="Arial"/>
-                <a:sym typeface="Arial"/>
-              </a:rPr>
-              <a:t>x</a:t>
-            </a:r>
-            <a:r>
-              <a:rPr lang="en-US" sz="3600" i="1" baseline="-25000">
-                <a:solidFill>
-                  <a:srgbClr val="FFFF66"/>
-                </a:solidFill>
-                <a:latin typeface="Arial"/>
-                <a:ea typeface="Arial"/>
-                <a:cs typeface="Arial"/>
-                <a:sym typeface="Arial"/>
-              </a:rPr>
-              <a:t>i</a:t>
+                <a:latin typeface="Calibri"/>
+                <a:ea typeface="Calibri"/>
+                <a:cs typeface="Calibri"/>
+                <a:sym typeface="Calibri"/>
+              </a:rPr>
+              <a:t>] can be rewritten: </a:t>
             </a:r>
           </a:p>
         </p:txBody>
@@ -20447,6 +20760,170 @@
           </a:p>
         </p:txBody>
       </p:sp>
+      <mc:AlternateContent xmlns:mc="http://schemas.openxmlformats.org/markup-compatibility/2006">
+        <mc:Choice xmlns:a14="http://schemas.microsoft.com/office/drawing/2010/main" Requires="a14">
+          <p:sp>
+            <p:nvSpPr>
+              <p:cNvPr id="2" name="TextBox 1"/>
+              <p:cNvSpPr txBox="1"/>
+              <p:nvPr/>
+            </p:nvSpPr>
+            <p:spPr>
+              <a:xfrm>
+                <a:off x="4672225" y="2167586"/>
+                <a:ext cx="1475147" cy="1848391"/>
+              </a:xfrm>
+              <a:prstGeom prst="rect">
+                <a:avLst/>
+              </a:prstGeom>
+              <a:noFill/>
+            </p:spPr>
+            <p:txBody>
+              <a:bodyPr wrap="none" lIns="0" tIns="0" rIns="0" bIns="0" rtlCol="0">
+                <a:spAutoFit/>
+              </a:bodyPr>
+              <a:lstStyle/>
+              <a:p>
+                <a14:m>
+                  <m:oMathPara xmlns:m="http://schemas.openxmlformats.org/officeDocument/2006/math">
+                    <m:oMathParaPr>
+                      <m:jc m:val="centerGroup"/>
+                    </m:oMathParaPr>
+                    <m:oMath xmlns:m="http://schemas.openxmlformats.org/officeDocument/2006/math">
+                      <m:nary>
+                        <m:naryPr>
+                          <m:chr m:val="∑"/>
+                          <m:ctrlPr>
+                            <a:rPr lang="en-US" sz="4400" i="1" smtClean="0">
+                              <a:solidFill>
+                                <a:srgbClr val="FFFF00"/>
+                              </a:solidFill>
+                              <a:latin typeface="Cambria Math" panose="02040503050406030204" pitchFamily="18" charset="0"/>
+                            </a:rPr>
+                          </m:ctrlPr>
+                        </m:naryPr>
+                        <m:sub>
+                          <m:r>
+                            <m:rPr>
+                              <m:brk m:alnAt="23"/>
+                            </m:rPr>
+                            <a:rPr lang="en-US" sz="4400" b="0" i="1" smtClean="0">
+                              <a:solidFill>
+                                <a:srgbClr val="FFFF00"/>
+                              </a:solidFill>
+                              <a:latin typeface="Cambria Math" panose="02040503050406030204" pitchFamily="18" charset="0"/>
+                            </a:rPr>
+                            <m:t>𝑖</m:t>
+                          </m:r>
+                          <m:r>
+                            <a:rPr lang="en-US" sz="4400" b="0" i="1" smtClean="0">
+                              <a:solidFill>
+                                <a:srgbClr val="FFFF00"/>
+                              </a:solidFill>
+                              <a:latin typeface="Cambria Math" panose="02040503050406030204" pitchFamily="18" charset="0"/>
+                            </a:rPr>
+                            <m:t>=1</m:t>
+                          </m:r>
+                        </m:sub>
+                        <m:sup>
+                          <m:r>
+                            <a:rPr lang="en-US" sz="4400" b="0" i="1" smtClean="0">
+                              <a:solidFill>
+                                <a:srgbClr val="FFFF00"/>
+                              </a:solidFill>
+                              <a:latin typeface="Cambria Math" panose="02040503050406030204" pitchFamily="18" charset="0"/>
+                            </a:rPr>
+                            <m:t>𝑛</m:t>
+                          </m:r>
+                        </m:sup>
+                        <m:e>
+                          <m:sSub>
+                            <m:sSubPr>
+                              <m:ctrlPr>
+                                <a:rPr lang="en-US" sz="4400" i="1" smtClean="0">
+                                  <a:solidFill>
+                                    <a:srgbClr val="FFFF00"/>
+                                  </a:solidFill>
+                                  <a:latin typeface="Cambria Math" panose="02040503050406030204" pitchFamily="18" charset="0"/>
+                                </a:rPr>
+                              </m:ctrlPr>
+                            </m:sSubPr>
+                            <m:e>
+                              <m:r>
+                                <a:rPr lang="en-US" sz="4400" b="0" i="1" smtClean="0">
+                                  <a:solidFill>
+                                    <a:srgbClr val="FFFF00"/>
+                                  </a:solidFill>
+                                  <a:latin typeface="Cambria Math" panose="02040503050406030204" pitchFamily="18" charset="0"/>
+                                </a:rPr>
+                                <m:t>𝑥</m:t>
+                              </m:r>
+                            </m:e>
+                            <m:sub>
+                              <m:r>
+                                <a:rPr lang="en-US" sz="4400" b="0" i="1" smtClean="0">
+                                  <a:solidFill>
+                                    <a:srgbClr val="FFFF00"/>
+                                  </a:solidFill>
+                                  <a:latin typeface="Cambria Math" panose="02040503050406030204" pitchFamily="18" charset="0"/>
+                                </a:rPr>
+                                <m:t>𝑖</m:t>
+                              </m:r>
+                            </m:sub>
+                          </m:sSub>
+                        </m:e>
+                      </m:nary>
+                    </m:oMath>
+                  </m:oMathPara>
+                </a14:m>
+                <a:endParaRPr lang="en-US" sz="4400" dirty="0">
+                  <a:solidFill>
+                    <a:srgbClr val="FFFF00"/>
+                  </a:solidFill>
+                </a:endParaRPr>
+              </a:p>
+            </p:txBody>
+          </p:sp>
+        </mc:Choice>
+        <mc:Fallback>
+          <p:sp>
+            <p:nvSpPr>
+              <p:cNvPr id="2" name="TextBox 1"/>
+              <p:cNvSpPr txBox="1">
+                <a:spLocks noRot="1" noChangeAspect="1" noMove="1" noResize="1" noEditPoints="1" noAdjustHandles="1" noChangeArrowheads="1" noChangeShapeType="1" noTextEdit="1"/>
+              </p:cNvSpPr>
+              <p:nvPr/>
+            </p:nvSpPr>
+            <p:spPr>
+              <a:xfrm>
+                <a:off x="4672225" y="2167586"/>
+                <a:ext cx="1475147" cy="1848391"/>
+              </a:xfrm>
+              <a:prstGeom prst="rect">
+                <a:avLst/>
+              </a:prstGeom>
+              <a:blipFill>
+                <a:blip r:embed="rId3"/>
+                <a:stretch>
+                  <a:fillRect/>
+                </a:stretch>
+              </a:blipFill>
+            </p:spPr>
+            <p:txBody>
+              <a:bodyPr/>
+              <a:lstStyle/>
+              <a:p>
+                <a:r>
+                  <a:rPr lang="en-US">
+                    <a:noFill/>
+                  </a:rPr>
+                  <a:t> </a:t>
+                </a:r>
+              </a:p>
+            </p:txBody>
+          </p:sp>
+        </mc:Fallback>
+      </mc:AlternateContent>
     </p:spTree>
   </p:cSld>
   <p:clrMapOvr>
@@ -20521,370 +20998,6 @@
       </p:sp>
       <p:sp>
         <p:nvSpPr>
-          <p:cNvPr id="186" name="Shape 186"/>
-          <p:cNvSpPr txBox="1"/>
-          <p:nvPr/>
-        </p:nvSpPr>
-        <p:spPr>
-          <a:xfrm>
-            <a:off x="2752808" y="2178050"/>
-            <a:ext cx="906462" cy="1555750"/>
-          </a:xfrm>
-          <a:prstGeom prst="rect">
-            <a:avLst/>
-          </a:prstGeom>
-          <a:noFill/>
-          <a:ln>
-            <a:noFill/>
-          </a:ln>
-        </p:spPr>
-        <p:txBody>
-          <a:bodyPr lIns="91425" tIns="45700" rIns="91425" bIns="45700" anchor="t" anchorCtr="0">
-            <a:noAutofit/>
-          </a:bodyPr>
-          <a:lstStyle/>
-          <a:p>
-            <a:pPr marL="0" marR="0" lvl="0" indent="0" algn="l" rtl="0">
-              <a:spcBef>
-                <a:spcPts val="0"/>
-              </a:spcBef>
-              <a:buSzPct val="25000"/>
-              <a:buNone/>
-            </a:pPr>
-            <a:r>
-              <a:rPr lang="en-US" sz="9600">
-                <a:solidFill>
-                  <a:srgbClr val="FFFF66"/>
-                </a:solidFill>
-                <a:latin typeface="Noto Sans Symbols"/>
-                <a:ea typeface="Noto Sans Symbols"/>
-                <a:cs typeface="Noto Sans Symbols"/>
-                <a:sym typeface="Noto Sans Symbols"/>
-              </a:rPr>
-              <a:t>Σ</a:t>
-            </a:r>
-          </a:p>
-        </p:txBody>
-      </p:sp>
-      <p:sp>
-        <p:nvSpPr>
-          <p:cNvPr id="187" name="Shape 187"/>
-          <p:cNvSpPr txBox="1"/>
-          <p:nvPr/>
-        </p:nvSpPr>
-        <p:spPr>
-          <a:xfrm>
-            <a:off x="3662989" y="2745158"/>
-            <a:ext cx="458780" cy="584774"/>
-          </a:xfrm>
-          <a:prstGeom prst="rect">
-            <a:avLst/>
-          </a:prstGeom>
-          <a:noFill/>
-          <a:ln>
-            <a:noFill/>
-          </a:ln>
-        </p:spPr>
-        <p:txBody>
-          <a:bodyPr lIns="91425" tIns="45700" rIns="91425" bIns="45700" anchor="t" anchorCtr="0">
-            <a:noAutofit/>
-          </a:bodyPr>
-          <a:lstStyle/>
-          <a:p>
-            <a:pPr marL="0" marR="0" lvl="0" indent="0" algn="l" rtl="0">
-              <a:spcBef>
-                <a:spcPts val="0"/>
-              </a:spcBef>
-              <a:buSzPct val="25000"/>
-              <a:buNone/>
-            </a:pPr>
-            <a:r>
-              <a:rPr lang="en-US" sz="3200" i="1">
-                <a:solidFill>
-                  <a:srgbClr val="FFFF66"/>
-                </a:solidFill>
-                <a:latin typeface="Arial"/>
-                <a:ea typeface="Arial"/>
-                <a:cs typeface="Arial"/>
-                <a:sym typeface="Arial"/>
-              </a:rPr>
-              <a:t>x</a:t>
-            </a:r>
-            <a:r>
-              <a:rPr lang="en-US" sz="3600" i="1" baseline="-25000">
-                <a:solidFill>
-                  <a:srgbClr val="FFFF66"/>
-                </a:solidFill>
-                <a:latin typeface="Arial"/>
-                <a:ea typeface="Arial"/>
-                <a:cs typeface="Arial"/>
-                <a:sym typeface="Arial"/>
-              </a:rPr>
-              <a:t>i</a:t>
-            </a:r>
-          </a:p>
-        </p:txBody>
-      </p:sp>
-      <p:cxnSp>
-        <p:nvCxnSpPr>
-          <p:cNvPr id="188" name="Shape 188"/>
-          <p:cNvCxnSpPr/>
-          <p:nvPr/>
-        </p:nvCxnSpPr>
-        <p:spPr>
-          <a:xfrm>
-            <a:off x="1295400" y="3383267"/>
-            <a:ext cx="228600" cy="0"/>
-          </a:xfrm>
-          <a:prstGeom prst="straightConnector1">
-            <a:avLst/>
-          </a:prstGeom>
-          <a:noFill/>
-          <a:ln w="28575" cap="flat" cmpd="sng">
-            <a:solidFill>
-              <a:srgbClr val="FFFF66"/>
-            </a:solidFill>
-            <a:prstDash val="solid"/>
-            <a:miter/>
-            <a:headEnd type="none" w="med" len="med"/>
-            <a:tailEnd type="none" w="med" len="med"/>
-          </a:ln>
-        </p:spPr>
-      </p:cxnSp>
-      <p:sp>
-        <p:nvSpPr>
-          <p:cNvPr id="189" name="Shape 189"/>
-          <p:cNvSpPr txBox="1"/>
-          <p:nvPr/>
-        </p:nvSpPr>
-        <p:spPr>
-          <a:xfrm>
-            <a:off x="2820988" y="3505200"/>
-            <a:ext cx="1066799" cy="369332"/>
-          </a:xfrm>
-          <a:prstGeom prst="rect">
-            <a:avLst/>
-          </a:prstGeom>
-          <a:noFill/>
-          <a:ln w="9525" cap="flat" cmpd="sng">
-            <a:solidFill>
-              <a:srgbClr val="000000"/>
-            </a:solidFill>
-            <a:prstDash val="solid"/>
-            <a:miter/>
-            <a:headEnd type="none" w="med" len="med"/>
-            <a:tailEnd type="none" w="med" len="med"/>
-          </a:ln>
-        </p:spPr>
-        <p:txBody>
-          <a:bodyPr lIns="91425" tIns="45700" rIns="91425" bIns="45700" anchor="t" anchorCtr="0">
-            <a:noAutofit/>
-          </a:bodyPr>
-          <a:lstStyle/>
-          <a:p>
-            <a:pPr marL="0" marR="0" lvl="0" indent="0" algn="l" rtl="0">
-              <a:spcBef>
-                <a:spcPts val="0"/>
-              </a:spcBef>
-              <a:buSzPct val="25000"/>
-              <a:buNone/>
-            </a:pPr>
-            <a:r>
-              <a:rPr lang="en-US" sz="1800" i="1">
-                <a:solidFill>
-                  <a:srgbClr val="FFFF66"/>
-                </a:solidFill>
-                <a:latin typeface="Arial"/>
-                <a:ea typeface="Arial"/>
-                <a:cs typeface="Arial"/>
-                <a:sym typeface="Arial"/>
-              </a:rPr>
-              <a:t>i</a:t>
-            </a:r>
-            <a:r>
-              <a:rPr lang="en-US" sz="1800">
-                <a:solidFill>
-                  <a:srgbClr val="FFFF66"/>
-                </a:solidFill>
-                <a:latin typeface="Arial"/>
-                <a:ea typeface="Arial"/>
-                <a:cs typeface="Arial"/>
-                <a:sym typeface="Arial"/>
-              </a:rPr>
-              <a:t> = 1</a:t>
-            </a:r>
-          </a:p>
-        </p:txBody>
-      </p:sp>
-      <p:sp>
-        <p:nvSpPr>
-          <p:cNvPr id="190" name="Shape 190"/>
-          <p:cNvSpPr txBox="1"/>
-          <p:nvPr/>
-        </p:nvSpPr>
-        <p:spPr>
-          <a:xfrm>
-            <a:off x="3049588" y="2209800"/>
-            <a:ext cx="312905" cy="369332"/>
-          </a:xfrm>
-          <a:prstGeom prst="rect">
-            <a:avLst/>
-          </a:prstGeom>
-          <a:noFill/>
-          <a:ln>
-            <a:noFill/>
-          </a:ln>
-        </p:spPr>
-        <p:txBody>
-          <a:bodyPr lIns="91425" tIns="45700" rIns="91425" bIns="45700" anchor="t" anchorCtr="0">
-            <a:noAutofit/>
-          </a:bodyPr>
-          <a:lstStyle/>
-          <a:p>
-            <a:pPr marL="0" marR="0" lvl="0" indent="0" algn="l" rtl="0">
-              <a:spcBef>
-                <a:spcPts val="0"/>
-              </a:spcBef>
-              <a:buSzPct val="25000"/>
-              <a:buNone/>
-            </a:pPr>
-            <a:r>
-              <a:rPr lang="en-US" sz="1800" i="1">
-                <a:solidFill>
-                  <a:srgbClr val="FFFF66"/>
-                </a:solidFill>
-                <a:latin typeface="Arial"/>
-                <a:ea typeface="Arial"/>
-                <a:cs typeface="Arial"/>
-                <a:sym typeface="Arial"/>
-              </a:rPr>
-              <a:t>n</a:t>
-            </a:r>
-          </a:p>
-        </p:txBody>
-      </p:sp>
-      <p:cxnSp>
-        <p:nvCxnSpPr>
-          <p:cNvPr id="191" name="Shape 191"/>
-          <p:cNvCxnSpPr/>
-          <p:nvPr/>
-        </p:nvCxnSpPr>
-        <p:spPr>
-          <a:xfrm>
-            <a:off x="2514600" y="4038600"/>
-            <a:ext cx="1828800" cy="0"/>
-          </a:xfrm>
-          <a:prstGeom prst="straightConnector1">
-            <a:avLst/>
-          </a:prstGeom>
-          <a:noFill/>
-          <a:ln w="28575" cap="flat" cmpd="sng">
-            <a:solidFill>
-              <a:srgbClr val="FFFF66"/>
-            </a:solidFill>
-            <a:prstDash val="solid"/>
-            <a:miter/>
-            <a:headEnd type="none" w="med" len="med"/>
-            <a:tailEnd type="none" w="med" len="med"/>
-          </a:ln>
-        </p:spPr>
-      </p:cxnSp>
-      <p:sp>
-        <p:nvSpPr>
-          <p:cNvPr id="192" name="Shape 192"/>
-          <p:cNvSpPr txBox="1"/>
-          <p:nvPr/>
-        </p:nvSpPr>
-        <p:spPr>
-          <a:xfrm>
-            <a:off x="2988046" y="4038600"/>
-            <a:ext cx="481222" cy="769441"/>
-          </a:xfrm>
-          <a:prstGeom prst="rect">
-            <a:avLst/>
-          </a:prstGeom>
-          <a:noFill/>
-          <a:ln>
-            <a:noFill/>
-          </a:ln>
-        </p:spPr>
-        <p:txBody>
-          <a:bodyPr lIns="91425" tIns="45700" rIns="91425" bIns="45700" anchor="t" anchorCtr="0">
-            <a:noAutofit/>
-          </a:bodyPr>
-          <a:lstStyle/>
-          <a:p>
-            <a:pPr marL="0" marR="0" lvl="0" indent="0" algn="l" rtl="0">
-              <a:spcBef>
-                <a:spcPts val="0"/>
-              </a:spcBef>
-              <a:buSzPct val="25000"/>
-              <a:buNone/>
-            </a:pPr>
-            <a:r>
-              <a:rPr lang="en-US" sz="4400">
-                <a:solidFill>
-                  <a:srgbClr val="FFFF66"/>
-                </a:solidFill>
-                <a:latin typeface="Calibri"/>
-                <a:ea typeface="Calibri"/>
-                <a:cs typeface="Calibri"/>
-                <a:sym typeface="Calibri"/>
-              </a:rPr>
-              <a:t>n</a:t>
-            </a:r>
-          </a:p>
-        </p:txBody>
-      </p:sp>
-      <p:sp>
-        <p:nvSpPr>
-          <p:cNvPr id="193" name="Shape 193"/>
-          <p:cNvSpPr txBox="1"/>
-          <p:nvPr/>
-        </p:nvSpPr>
-        <p:spPr>
-          <a:xfrm>
-            <a:off x="1142459" y="3135867"/>
-            <a:ext cx="1354857" cy="1107995"/>
-          </a:xfrm>
-          <a:prstGeom prst="rect">
-            <a:avLst/>
-          </a:prstGeom>
-          <a:noFill/>
-          <a:ln>
-            <a:noFill/>
-          </a:ln>
-        </p:spPr>
-        <p:txBody>
-          <a:bodyPr lIns="91425" tIns="45700" rIns="91425" bIns="45700" anchor="t" anchorCtr="0">
-            <a:noAutofit/>
-          </a:bodyPr>
-          <a:lstStyle/>
-          <a:p>
-            <a:pPr marL="0" marR="0" lvl="0" indent="0" algn="l" rtl="0">
-              <a:spcBef>
-                <a:spcPts val="0"/>
-              </a:spcBef>
-              <a:buSzPct val="25000"/>
-              <a:buNone/>
-            </a:pPr>
-            <a:r>
-              <a:rPr lang="en-US" sz="6600">
-                <a:solidFill>
-                  <a:srgbClr val="FFFF66"/>
-                </a:solidFill>
-                <a:latin typeface="Calibri"/>
-                <a:ea typeface="Calibri"/>
-                <a:cs typeface="Calibri"/>
-                <a:sym typeface="Calibri"/>
-              </a:rPr>
-              <a:t>x  =</a:t>
-            </a:r>
-          </a:p>
-        </p:txBody>
-      </p:sp>
-      <p:sp>
-        <p:nvSpPr>
           <p:cNvPr id="194" name="Shape 194"/>
           <p:cNvSpPr txBox="1"/>
           <p:nvPr/>
@@ -21026,6 +21139,228 @@
           </a:p>
         </p:txBody>
       </p:sp>
+      <mc:AlternateContent xmlns:mc="http://schemas.openxmlformats.org/markup-compatibility/2006">
+        <mc:Choice xmlns:a14="http://schemas.microsoft.com/office/drawing/2010/main" Requires="a14">
+          <p:sp>
+            <p:nvSpPr>
+              <p:cNvPr id="12" name="TextBox 11"/>
+              <p:cNvSpPr txBox="1"/>
+              <p:nvPr/>
+            </p:nvSpPr>
+            <p:spPr>
+              <a:xfrm>
+                <a:off x="696862" y="2560593"/>
+                <a:ext cx="3921586" cy="1810880"/>
+              </a:xfrm>
+              <a:prstGeom prst="rect">
+                <a:avLst/>
+              </a:prstGeom>
+              <a:noFill/>
+            </p:spPr>
+            <p:txBody>
+              <a:bodyPr wrap="none" lIns="0" tIns="0" rIns="0" bIns="0" rtlCol="0">
+                <a:spAutoFit/>
+              </a:bodyPr>
+              <a:lstStyle/>
+              <a:p>
+                <a14:m>
+                  <m:oMathPara xmlns:m="http://schemas.openxmlformats.org/officeDocument/2006/math">
+                    <m:oMathParaPr>
+                      <m:jc m:val="centerGroup"/>
+                    </m:oMathParaPr>
+                    <m:oMath xmlns:m="http://schemas.openxmlformats.org/officeDocument/2006/math">
+                      <m:acc>
+                        <m:accPr>
+                          <m:chr m:val="̅"/>
+                          <m:ctrlPr>
+                            <a:rPr lang="en-US" sz="6000" b="0" i="1" smtClean="0">
+                              <a:solidFill>
+                                <a:srgbClr val="FFFF00"/>
+                              </a:solidFill>
+                              <a:latin typeface="Cambria Math" panose="02040503050406030204" pitchFamily="18" charset="0"/>
+                            </a:rPr>
+                          </m:ctrlPr>
+                        </m:accPr>
+                        <m:e>
+                          <m:r>
+                            <a:rPr lang="en-US" sz="6000" b="0" i="1" smtClean="0">
+                              <a:solidFill>
+                                <a:srgbClr val="FFFF00"/>
+                              </a:solidFill>
+                              <a:latin typeface="Cambria Math" panose="02040503050406030204" pitchFamily="18" charset="0"/>
+                            </a:rPr>
+                            <m:t>𝑥</m:t>
+                          </m:r>
+                        </m:e>
+                      </m:acc>
+                      <m:r>
+                        <a:rPr lang="en-US" sz="6000" b="0" i="1" smtClean="0">
+                          <a:solidFill>
+                            <a:srgbClr val="FFFF00"/>
+                          </a:solidFill>
+                          <a:latin typeface="Cambria Math" panose="02040503050406030204" pitchFamily="18" charset="0"/>
+                        </a:rPr>
+                        <m:t>=</m:t>
+                      </m:r>
+                      <m:f>
+                        <m:fPr>
+                          <m:ctrlPr>
+                            <a:rPr lang="en-US" sz="6000" b="0" i="1" smtClean="0">
+                              <a:solidFill>
+                                <a:srgbClr val="FFFF00"/>
+                              </a:solidFill>
+                              <a:latin typeface="Cambria Math" panose="02040503050406030204" pitchFamily="18" charset="0"/>
+                            </a:rPr>
+                          </m:ctrlPr>
+                        </m:fPr>
+                        <m:num>
+                          <m:nary>
+                            <m:naryPr>
+                              <m:chr m:val="∑"/>
+                              <m:ctrlPr>
+                                <a:rPr lang="en-US" sz="6000" i="1">
+                                  <a:solidFill>
+                                    <a:srgbClr val="FFFF00"/>
+                                  </a:solidFill>
+                                  <a:latin typeface="Cambria Math" panose="02040503050406030204" pitchFamily="18" charset="0"/>
+                                </a:rPr>
+                              </m:ctrlPr>
+                            </m:naryPr>
+                            <m:sub>
+                              <m:r>
+                                <m:rPr>
+                                  <m:brk m:alnAt="23"/>
+                                </m:rPr>
+                                <a:rPr lang="en-US" sz="6000" i="1">
+                                  <a:solidFill>
+                                    <a:srgbClr val="FFFF00"/>
+                                  </a:solidFill>
+                                  <a:latin typeface="Cambria Math" panose="02040503050406030204" pitchFamily="18" charset="0"/>
+                                </a:rPr>
+                                <m:t>𝑖</m:t>
+                              </m:r>
+                              <m:r>
+                                <a:rPr lang="en-US" sz="6000" i="1">
+                                  <a:solidFill>
+                                    <a:srgbClr val="FFFF00"/>
+                                  </a:solidFill>
+                                  <a:latin typeface="Cambria Math" panose="02040503050406030204" pitchFamily="18" charset="0"/>
+                                </a:rPr>
+                                <m:t>=1</m:t>
+                              </m:r>
+                            </m:sub>
+                            <m:sup>
+                              <m:r>
+                                <a:rPr lang="en-US" sz="6000" i="1">
+                                  <a:solidFill>
+                                    <a:srgbClr val="FFFF00"/>
+                                  </a:solidFill>
+                                  <a:latin typeface="Cambria Math" panose="02040503050406030204" pitchFamily="18" charset="0"/>
+                                </a:rPr>
+                                <m:t>𝑛</m:t>
+                              </m:r>
+                            </m:sup>
+                            <m:e>
+                              <m:sSub>
+                                <m:sSubPr>
+                                  <m:ctrlPr>
+                                    <a:rPr lang="en-US" sz="6000" i="1">
+                                      <a:solidFill>
+                                        <a:srgbClr val="FFFF00"/>
+                                      </a:solidFill>
+                                      <a:latin typeface="Cambria Math" panose="02040503050406030204" pitchFamily="18" charset="0"/>
+                                    </a:rPr>
+                                  </m:ctrlPr>
+                                </m:sSubPr>
+                                <m:e>
+                                  <m:r>
+                                    <a:rPr lang="en-US" sz="6000" i="1">
+                                      <a:solidFill>
+                                        <a:srgbClr val="FFFF00"/>
+                                      </a:solidFill>
+                                      <a:latin typeface="Cambria Math" panose="02040503050406030204" pitchFamily="18" charset="0"/>
+                                    </a:rPr>
+                                    <m:t>𝑥</m:t>
+                                  </m:r>
+                                </m:e>
+                                <m:sub>
+                                  <m:r>
+                                    <a:rPr lang="en-US" sz="6000" i="1">
+                                      <a:solidFill>
+                                        <a:srgbClr val="FFFF00"/>
+                                      </a:solidFill>
+                                      <a:latin typeface="Cambria Math" panose="02040503050406030204" pitchFamily="18" charset="0"/>
+                                    </a:rPr>
+                                    <m:t>𝑖</m:t>
+                                  </m:r>
+                                </m:sub>
+                              </m:sSub>
+                            </m:e>
+                          </m:nary>
+                        </m:num>
+                        <m:den>
+                          <m:r>
+                            <a:rPr lang="en-US" sz="6000" b="0" i="1" smtClean="0">
+                              <a:solidFill>
+                                <a:srgbClr val="FFFF00"/>
+                              </a:solidFill>
+                              <a:latin typeface="Cambria Math" panose="02040503050406030204" pitchFamily="18" charset="0"/>
+                            </a:rPr>
+                            <m:t>𝑛</m:t>
+                          </m:r>
+                        </m:den>
+                      </m:f>
+                    </m:oMath>
+                  </m:oMathPara>
+                </a14:m>
+                <a:endParaRPr lang="en-US" sz="6000" dirty="0">
+                  <a:solidFill>
+                    <a:srgbClr val="FFFF00"/>
+                  </a:solidFill>
+                </a:endParaRPr>
+              </a:p>
+            </p:txBody>
+          </p:sp>
+        </mc:Choice>
+        <mc:Fallback>
+          <p:sp>
+            <p:nvSpPr>
+              <p:cNvPr id="12" name="TextBox 11"/>
+              <p:cNvSpPr txBox="1">
+                <a:spLocks noRot="1" noChangeAspect="1" noMove="1" noResize="1" noEditPoints="1" noAdjustHandles="1" noChangeArrowheads="1" noChangeShapeType="1" noTextEdit="1"/>
+              </p:cNvSpPr>
+              <p:nvPr/>
+            </p:nvSpPr>
+            <p:spPr>
+              <a:xfrm>
+                <a:off x="696862" y="2560593"/>
+                <a:ext cx="3921586" cy="1810880"/>
+              </a:xfrm>
+              <a:prstGeom prst="rect">
+                <a:avLst/>
+              </a:prstGeom>
+              <a:blipFill>
+                <a:blip r:embed="rId3"/>
+                <a:stretch>
+                  <a:fillRect/>
+                </a:stretch>
+              </a:blipFill>
+            </p:spPr>
+            <p:txBody>
+              <a:bodyPr/>
+              <a:lstStyle/>
+              <a:p>
+                <a:r>
+                  <a:rPr lang="en-US">
+                    <a:noFill/>
+                  </a:rPr>
+                  <a:t> </a:t>
+                </a:r>
+              </a:p>
+            </p:txBody>
+          </p:sp>
+        </mc:Fallback>
+      </mc:AlternateContent>
     </p:spTree>
   </p:cSld>
   <p:clrMapOvr>
